--- a/slides/05-ActivitySelect.pptx
+++ b/slides/05-ActivitySelect.pptx
@@ -261,7 +261,7 @@
           <a:p>
             <a:fld id="{9A9F7FD5-2840-4607-A4CD-0A8A66D9D61D}" type="datetimeFigureOut">
               <a:rPr lang="en-US" smtClean="0"/>
-              <a:t>9/1/22</a:t>
+              <a:t>10/19/22</a:t>
             </a:fld>
             <a:endParaRPr lang="en-US"/>
           </a:p>
@@ -892,7 +892,7 @@
           <a:p>
             <a:fld id="{088A2421-D2CD-4522-A1BA-E4F59ED821B7}" type="datetime1">
               <a:rPr lang="en-US" smtClean="0"/>
-              <a:t>9/1/22</a:t>
+              <a:t>10/19/22</a:t>
             </a:fld>
             <a:endParaRPr lang="en-US"/>
           </a:p>
@@ -1167,7 +1167,7 @@
           <a:p>
             <a:fld id="{DA91928D-0C55-4D8D-9D16-4C05754E5356}" type="datetime1">
               <a:rPr lang="en-US" smtClean="0"/>
-              <a:t>9/1/22</a:t>
+              <a:t>10/19/22</a:t>
             </a:fld>
             <a:endParaRPr lang="en-US"/>
           </a:p>
@@ -1422,7 +1422,7 @@
           <a:p>
             <a:fld id="{584CEDDD-253B-4C38-A621-35D8BA950C17}" type="datetime1">
               <a:rPr lang="en-US" smtClean="0"/>
-              <a:t>9/1/22</a:t>
+              <a:t>10/19/22</a:t>
             </a:fld>
             <a:endParaRPr lang="en-US"/>
           </a:p>
@@ -1590,7 +1590,7 @@
           <a:p>
             <a:fld id="{BF0967E4-28CB-45C9-B82C-D6B22AD4F0EB}" type="datetime1">
               <a:rPr lang="en-US" smtClean="0"/>
-              <a:t>9/1/22</a:t>
+              <a:t>10/19/22</a:t>
             </a:fld>
             <a:endParaRPr lang="en-US"/>
           </a:p>
@@ -1768,7 +1768,7 @@
           <a:p>
             <a:fld id="{2454C693-B405-44E1-A127-B7CE8B45C1E1}" type="datetime1">
               <a:rPr lang="en-US" smtClean="0"/>
-              <a:t>9/1/22</a:t>
+              <a:t>10/19/22</a:t>
             </a:fld>
             <a:endParaRPr lang="en-US"/>
           </a:p>
@@ -2020,7 +2020,7 @@
           <a:p>
             <a:fld id="{26B28102-2E91-4DD7-8E8B-98B790A12701}" type="datetime1">
               <a:rPr lang="en-US" smtClean="0"/>
-              <a:t>9/1/22</a:t>
+              <a:t>10/19/22</a:t>
             </a:fld>
             <a:endParaRPr lang="en-US"/>
           </a:p>
@@ -2278,7 +2278,7 @@
           <a:p>
             <a:fld id="{0B5AF985-6D44-417A-9881-D208468CBA07}" type="datetime1">
               <a:rPr lang="en-US" smtClean="0"/>
-              <a:t>9/1/22</a:t>
+              <a:t>10/19/22</a:t>
             </a:fld>
             <a:endParaRPr lang="en-US"/>
           </a:p>
@@ -2535,7 +2535,7 @@
           <a:p>
             <a:fld id="{26B28102-2E91-4DD7-8E8B-98B790A12701}" type="datetime1">
               <a:rPr lang="en-US" smtClean="0"/>
-              <a:t>9/1/22</a:t>
+              <a:t>10/19/22</a:t>
             </a:fld>
             <a:endParaRPr lang="en-US"/>
           </a:p>
@@ -2781,7 +2781,7 @@
           <a:p>
             <a:fld id="{3A604A86-E8D2-4E57-8D6D-61E2D175474B}" type="datetime1">
               <a:rPr lang="en-US" smtClean="0"/>
-              <a:t>9/1/22</a:t>
+              <a:t>10/19/22</a:t>
             </a:fld>
             <a:endParaRPr lang="en-US"/>
           </a:p>
@@ -3144,7 +3144,7 @@
           <a:p>
             <a:fld id="{DC921DF3-1FB0-45DC-97EF-461960E13574}" type="datetime1">
               <a:rPr lang="en-US" smtClean="0"/>
-              <a:t>9/1/22</a:t>
+              <a:t>10/19/22</a:t>
             </a:fld>
             <a:endParaRPr lang="en-US"/>
           </a:p>
@@ -3636,7 +3636,7 @@
           <a:p>
             <a:fld id="{092B088E-2809-46D8-B43F-738015D878CC}" type="datetime1">
               <a:rPr lang="en-US" smtClean="0"/>
-              <a:t>9/1/22</a:t>
+              <a:t>10/19/22</a:t>
             </a:fld>
             <a:endParaRPr lang="en-US"/>
           </a:p>
@@ -3831,7 +3831,7 @@
           <a:p>
             <a:fld id="{8208D42A-BC08-426E-9E11-483BA9D61AF6}" type="datetime1">
               <a:rPr lang="en-US" smtClean="0"/>
-              <a:t>9/1/22</a:t>
+              <a:t>10/19/22</a:t>
             </a:fld>
             <a:endParaRPr lang="en-US"/>
           </a:p>
@@ -4031,7 +4031,7 @@
           <a:p>
             <a:fld id="{26B28102-2E91-4DD7-8E8B-98B790A12701}" type="datetime1">
               <a:rPr lang="en-US" smtClean="0"/>
-              <a:t>9/1/22</a:t>
+              <a:t>10/19/22</a:t>
             </a:fld>
             <a:endParaRPr lang="en-US"/>
           </a:p>
@@ -4127,7 +4127,7 @@
           <a:p>
             <a:fld id="{37D5C786-44E1-4BD5-AD14-75F3EA166B5A}" type="datetime1">
               <a:rPr lang="en-US" smtClean="0"/>
-              <a:t>9/1/22</a:t>
+              <a:t>10/19/22</a:t>
             </a:fld>
             <a:endParaRPr lang="en-US"/>
           </a:p>
@@ -4338,7 +4338,7 @@
           <a:p>
             <a:fld id="{26B28102-2E91-4DD7-8E8B-98B790A12701}" type="datetime1">
               <a:rPr lang="en-US" smtClean="0"/>
-              <a:t>9/1/22</a:t>
+              <a:t>10/19/22</a:t>
             </a:fld>
             <a:endParaRPr lang="en-US"/>
           </a:p>
@@ -7259,8 +7259,18 @@
           <a:p>
             <a:pPr lvl="2"/>
             <a:r>
-              <a:rPr lang="en-US" dirty="0"/>
-              <a:t>Opt(j) = Opt(j-1) //same solution, because j interval doesn’t matter</a:t>
+              <a:rPr lang="en-US" dirty="0">
+                <a:solidFill>
+                  <a:schemeClr val="tx2">
+                    <a:lumMod val="75000"/>
+                  </a:schemeClr>
+                </a:solidFill>
+              </a:rPr>
+              <a:t>Opt(j) = Opt(j-1) </a:t>
+            </a:r>
+            <a:r>
+              <a:rPr lang="en-US" dirty="0"/>
+              <a:t>//same solution, because j interval doesn’t matter</a:t>
             </a:r>
           </a:p>
           <a:p>
@@ -7277,15 +7287,33 @@
           <a:p>
             <a:pPr lvl="2"/>
             <a:r>
-              <a:rPr lang="en-US" dirty="0"/>
+              <a:rPr lang="en-US" dirty="0">
+                <a:solidFill>
+                  <a:schemeClr val="accent3">
+                    <a:lumMod val="50000"/>
+                  </a:schemeClr>
+                </a:solidFill>
+              </a:rPr>
               <a:t>Opt(j) = </a:t>
             </a:r>
             <a:r>
-              <a:rPr lang="en-US" dirty="0" err="1"/>
+              <a:rPr lang="en-US" dirty="0" err="1">
+                <a:solidFill>
+                  <a:schemeClr val="accent3">
+                    <a:lumMod val="50000"/>
+                  </a:schemeClr>
+                </a:solidFill>
+              </a:rPr>
               <a:t>Vj</a:t>
             </a:r>
             <a:r>
-              <a:rPr lang="en-US" dirty="0"/>
+              <a:rPr lang="en-US" dirty="0">
+                <a:solidFill>
+                  <a:schemeClr val="accent3">
+                    <a:lumMod val="50000"/>
+                  </a:schemeClr>
+                </a:solidFill>
+              </a:rPr>
               <a:t> + Opt(intervals compatible with j)</a:t>
             </a:r>
           </a:p>
